--- a/猪仔开发答辩.pptx
+++ b/猪仔开发答辩.pptx
@@ -17,9 +17,9 @@
     <p:sldId id="281" r:id="rId8"/>
     <p:sldId id="282" r:id="rId9"/>
     <p:sldId id="283" r:id="rId10"/>
-    <p:sldId id="262" r:id="rId11"/>
-    <p:sldId id="263" r:id="rId12"/>
-    <p:sldId id="287" r:id="rId13"/>
+    <p:sldId id="263" r:id="rId11"/>
+    <p:sldId id="287" r:id="rId12"/>
+    <p:sldId id="262" r:id="rId13"/>
     <p:sldId id="265" r:id="rId14"/>
     <p:sldId id="284" r:id="rId15"/>
     <p:sldId id="285" r:id="rId16"/>
@@ -325,6 +325,11 @@
       </a:defRPr>
     </a:lvl9pPr>
   </p:defaultTextStyle>
+  <p:extLst>
+    <p:ext uri="{EFAFB233-063F-42B5-8137-9DF3F51BA10A}">
+      <p15:sldGuideLst xmlns:p15="http://schemas.microsoft.com/office/powerpoint/2012/main"/>
+    </p:ext>
+  </p:extLst>
 </p:presentation>
 </file>
 
@@ -2029,6 +2034,13 @@
         </dgm:presLayoutVars>
       </dgm:prSet>
       <dgm:spPr/>
+      <dgm:t>
+        <a:bodyPr/>
+        <a:lstStyle/>
+        <a:p>
+          <a:endParaRPr lang="zh-CN" altLang="en-US"/>
+        </a:p>
+      </dgm:t>
     </dgm:pt>
     <dgm:pt modelId="{79834D23-0B95-4102-93EE-9FF17B9579CF}" type="pres">
       <dgm:prSet presAssocID="{B4312465-0970-47FE-B7F2-52FE5C48BCFC}" presName="bkgdShp" presStyleLbl="alignAccFollowNode1" presStyleIdx="0" presStyleCnt="1" custScaleY="210325" custLinFactNeighborY="13974"/>
@@ -2049,6 +2061,13 @@
         </dgm:presLayoutVars>
       </dgm:prSet>
       <dgm:spPr/>
+      <dgm:t>
+        <a:bodyPr/>
+        <a:lstStyle/>
+        <a:p>
+          <a:endParaRPr lang="zh-CN" altLang="en-US"/>
+        </a:p>
+      </dgm:t>
     </dgm:pt>
     <dgm:pt modelId="{4924BF8B-B5C1-47C2-B6C1-4EEA51B69F2E}" type="pres">
       <dgm:prSet presAssocID="{4D3CB133-4B13-429B-AA73-0EE9887C1870}" presName="invisiNode" presStyleLbl="node1" presStyleIdx="0" presStyleCnt="5"/>
@@ -2061,6 +2080,13 @@
     <dgm:pt modelId="{5405E7C3-6070-4063-BB79-85B983A4A2A5}" type="pres">
       <dgm:prSet presAssocID="{A03E1BF2-0D18-49EC-8AE4-6CA1160ABB61}" presName="sibTrans" presStyleLbl="sibTrans2D1" presStyleIdx="0" presStyleCnt="0"/>
       <dgm:spPr/>
+      <dgm:t>
+        <a:bodyPr/>
+        <a:lstStyle/>
+        <a:p>
+          <a:endParaRPr lang="zh-CN" altLang="en-US"/>
+        </a:p>
+      </dgm:t>
     </dgm:pt>
     <dgm:pt modelId="{77365679-737A-4049-89C3-37EC2F763CE0}" type="pres">
       <dgm:prSet presAssocID="{D118B724-5A1D-4869-9102-4F6050F49140}" presName="compNode" presStyleCnt="0"/>
@@ -2092,6 +2118,13 @@
     <dgm:pt modelId="{CEBD90F5-1F76-4E23-87F2-632AD9B1B54E}" type="pres">
       <dgm:prSet presAssocID="{A7AEEDF0-6A03-49E5-AACF-BAD35B542A35}" presName="sibTrans" presStyleLbl="sibTrans2D1" presStyleIdx="0" presStyleCnt="0"/>
       <dgm:spPr/>
+      <dgm:t>
+        <a:bodyPr/>
+        <a:lstStyle/>
+        <a:p>
+          <a:endParaRPr lang="zh-CN" altLang="en-US"/>
+        </a:p>
+      </dgm:t>
     </dgm:pt>
     <dgm:pt modelId="{FA82DDCD-002E-46B6-B244-C55590C5D2BF}" type="pres">
       <dgm:prSet presAssocID="{A27B7FBB-81B1-4CC8-AD5E-A82B6B0CBC1B}" presName="compNode" presStyleCnt="0"/>
@@ -2104,6 +2137,13 @@
         </dgm:presLayoutVars>
       </dgm:prSet>
       <dgm:spPr/>
+      <dgm:t>
+        <a:bodyPr/>
+        <a:lstStyle/>
+        <a:p>
+          <a:endParaRPr lang="zh-CN" altLang="en-US"/>
+        </a:p>
+      </dgm:t>
     </dgm:pt>
     <dgm:pt modelId="{D62F6C6A-9F3E-4736-9E1B-B7B06C381136}" type="pres">
       <dgm:prSet presAssocID="{A27B7FBB-81B1-4CC8-AD5E-A82B6B0CBC1B}" presName="invisiNode" presStyleLbl="node1" presStyleIdx="2" presStyleCnt="5"/>
@@ -2116,6 +2156,13 @@
     <dgm:pt modelId="{2AC46DA6-38F8-4C51-ABDA-8B6991FEF037}" type="pres">
       <dgm:prSet presAssocID="{B553F826-339E-41E1-B8C4-1EDE4E85BEFE}" presName="sibTrans" presStyleLbl="sibTrans2D1" presStyleIdx="0" presStyleCnt="0"/>
       <dgm:spPr/>
+      <dgm:t>
+        <a:bodyPr/>
+        <a:lstStyle/>
+        <a:p>
+          <a:endParaRPr lang="zh-CN" altLang="en-US"/>
+        </a:p>
+      </dgm:t>
     </dgm:pt>
     <dgm:pt modelId="{B29C2FCB-02EF-468C-AEF9-D5415FF51A42}" type="pres">
       <dgm:prSet presAssocID="{283A6E6F-1415-4F52-9930-833577F599DC}" presName="compNode" presStyleCnt="0"/>
@@ -2128,6 +2175,13 @@
         </dgm:presLayoutVars>
       </dgm:prSet>
       <dgm:spPr/>
+      <dgm:t>
+        <a:bodyPr/>
+        <a:lstStyle/>
+        <a:p>
+          <a:endParaRPr lang="zh-CN" altLang="en-US"/>
+        </a:p>
+      </dgm:t>
     </dgm:pt>
     <dgm:pt modelId="{675345E7-050E-48F5-BB21-489E58BA0A4E}" type="pres">
       <dgm:prSet presAssocID="{283A6E6F-1415-4F52-9930-833577F599DC}" presName="invisiNode" presStyleLbl="node1" presStyleIdx="3" presStyleCnt="5"/>
@@ -2140,6 +2194,13 @@
     <dgm:pt modelId="{8B0AD302-0A38-4816-A01E-E411DD764F7E}" type="pres">
       <dgm:prSet presAssocID="{CB2CF4D3-8F4F-4F72-831F-3B89DEEDAB04}" presName="sibTrans" presStyleLbl="sibTrans2D1" presStyleIdx="0" presStyleCnt="0"/>
       <dgm:spPr/>
+      <dgm:t>
+        <a:bodyPr/>
+        <a:lstStyle/>
+        <a:p>
+          <a:endParaRPr lang="zh-CN" altLang="en-US"/>
+        </a:p>
+      </dgm:t>
     </dgm:pt>
     <dgm:pt modelId="{28F5D55C-2573-4EC0-A0B4-92CC9663B623}" type="pres">
       <dgm:prSet presAssocID="{5BE69B33-F9F4-4EA1-86E8-59C2F0D50628}" presName="compNode" presStyleCnt="0"/>
@@ -2180,8 +2241,8 @@
     <dgm:cxn modelId="{3E4D4C6D-03A9-41BB-8644-34D7C8280067}" type="presOf" srcId="{5BE69B33-F9F4-4EA1-86E8-59C2F0D50628}" destId="{6C03289C-D085-40ED-938F-B930171C4000}" srcOrd="0" destOrd="0" presId="urn:microsoft.com/office/officeart/2005/8/layout/pList2"/>
     <dgm:cxn modelId="{B6BB46C1-423C-4060-8AC7-01C434863249}" type="presOf" srcId="{A27B7FBB-81B1-4CC8-AD5E-A82B6B0CBC1B}" destId="{C6A1C778-A454-4C55-83FE-5996660DF24B}" srcOrd="0" destOrd="0" presId="urn:microsoft.com/office/officeart/2005/8/layout/pList2"/>
     <dgm:cxn modelId="{350CD390-DDAD-43B9-BF40-9C75DB11D8E3}" type="presOf" srcId="{4D3CB133-4B13-429B-AA73-0EE9887C1870}" destId="{E1368103-FFC3-43AC-A5A5-EE419FB2F880}" srcOrd="0" destOrd="0" presId="urn:microsoft.com/office/officeart/2005/8/layout/pList2"/>
+    <dgm:cxn modelId="{BED6112D-2A9F-4982-860C-A9E5B8AA08EF}" type="presOf" srcId="{CB2CF4D3-8F4F-4F72-831F-3B89DEEDAB04}" destId="{8B0AD302-0A38-4816-A01E-E411DD764F7E}" srcOrd="0" destOrd="0" presId="urn:microsoft.com/office/officeart/2005/8/layout/pList2"/>
     <dgm:cxn modelId="{30414B89-5936-4FDA-8516-CAD3E6961D45}" srcId="{B4312465-0970-47FE-B7F2-52FE5C48BCFC}" destId="{A27B7FBB-81B1-4CC8-AD5E-A82B6B0CBC1B}" srcOrd="2" destOrd="0" parTransId="{E7C25496-C45B-49D9-9D54-77ACF1EB12C7}" sibTransId="{B553F826-339E-41E1-B8C4-1EDE4E85BEFE}"/>
-    <dgm:cxn modelId="{BED6112D-2A9F-4982-860C-A9E5B8AA08EF}" type="presOf" srcId="{CB2CF4D3-8F4F-4F72-831F-3B89DEEDAB04}" destId="{8B0AD302-0A38-4816-A01E-E411DD764F7E}" srcOrd="0" destOrd="0" presId="urn:microsoft.com/office/officeart/2005/8/layout/pList2"/>
     <dgm:cxn modelId="{DEFFEAE4-1994-4F9D-B384-7DB2991244E8}" type="presOf" srcId="{A7AEEDF0-6A03-49E5-AACF-BAD35B542A35}" destId="{CEBD90F5-1F76-4E23-87F2-632AD9B1B54E}" srcOrd="0" destOrd="0" presId="urn:microsoft.com/office/officeart/2005/8/layout/pList2"/>
     <dgm:cxn modelId="{DECB1891-9B7A-433B-B5E5-04B0CABEB541}" type="presOf" srcId="{B553F826-339E-41E1-B8C4-1EDE4E85BEFE}" destId="{2AC46DA6-38F8-4C51-ABDA-8B6991FEF037}" srcOrd="0" destOrd="0" presId="urn:microsoft.com/office/officeart/2005/8/layout/pList2"/>
     <dgm:cxn modelId="{400F0EDB-B933-485A-B4AA-DF7B281EC10B}" srcId="{B4312465-0970-47FE-B7F2-52FE5C48BCFC}" destId="{4D3CB133-4B13-429B-AA73-0EE9887C1870}" srcOrd="0" destOrd="0" parTransId="{E06120DF-1897-4F1C-87C5-6F3B527AF5A2}" sibTransId="{A03E1BF2-0D18-49EC-8AE4-6CA1160ABB61}"/>
@@ -2522,15 +2583,15 @@
     </dgm:pt>
   </dgm:ptLst>
   <dgm:cxnLst>
+    <dgm:cxn modelId="{D71F42C0-19AE-4C2A-A750-93DB197029BE}" type="presOf" srcId="{69A95075-5437-40D4-8167-5BB35530721A}" destId="{69A62C44-F87A-426B-99C7-DFE0146E0EB0}" srcOrd="0" destOrd="0" presId="urn:microsoft.com/office/officeart/2005/8/layout/vList3"/>
+    <dgm:cxn modelId="{C93828BC-5CE4-47C3-B4E5-FDAFD3F6F036}" srcId="{231C47D6-4E30-4812-A147-1B64673C7E20}" destId="{15916379-1905-42BA-BA0C-3A02824160ED}" srcOrd="3" destOrd="0" parTransId="{71FE8234-D886-41F6-9AF5-E8CDD3C4CF97}" sibTransId="{3111266A-980E-471E-AF4E-EDC6F94FB7F6}"/>
+    <dgm:cxn modelId="{4210CD1C-BCCE-48A5-9E7E-7B31774D98B7}" srcId="{231C47D6-4E30-4812-A147-1B64673C7E20}" destId="{69A95075-5437-40D4-8167-5BB35530721A}" srcOrd="1" destOrd="0" parTransId="{B72E5FA6-3EF7-4FEB-A0AB-444735E3F351}" sibTransId="{8514FFDE-E2AF-4FD1-89FE-A719BCF0752E}"/>
+    <dgm:cxn modelId="{885CE142-644A-4A33-868B-8F0A52C457AF}" srcId="{231C47D6-4E30-4812-A147-1B64673C7E20}" destId="{1D35787D-49E6-4C20-A0E9-9A0CD14F86DF}" srcOrd="2" destOrd="0" parTransId="{05F2F614-4671-4323-90DB-3ECFD36025CA}" sibTransId="{16E1F035-F40E-4A45-ABFB-4169CE86F555}"/>
+    <dgm:cxn modelId="{C88750D9-99DB-450B-AC9B-35B965617821}" type="presOf" srcId="{6423C697-344F-4858-A172-824931175E0A}" destId="{483E8A89-FC7E-427C-AD5C-0B194417D13F}" srcOrd="0" destOrd="0" presId="urn:microsoft.com/office/officeart/2005/8/layout/vList3"/>
+    <dgm:cxn modelId="{DD856157-13C9-4851-9145-E000F440686F}" type="presOf" srcId="{231C47D6-4E30-4812-A147-1B64673C7E20}" destId="{2363F467-8006-45FC-A811-A5F22F0A4368}" srcOrd="0" destOrd="0" presId="urn:microsoft.com/office/officeart/2005/8/layout/vList3"/>
     <dgm:cxn modelId="{F4A0EA0C-4637-4019-B84E-B784219F58FB}" srcId="{231C47D6-4E30-4812-A147-1B64673C7E20}" destId="{6423C697-344F-4858-A172-824931175E0A}" srcOrd="0" destOrd="0" parTransId="{CEE1F9D5-32E7-43AF-A449-D213D9A19B28}" sibTransId="{CDF2BDBD-C226-44B9-A45F-12F16E8CABE1}"/>
-    <dgm:cxn modelId="{C88750D9-99DB-450B-AC9B-35B965617821}" type="presOf" srcId="{6423C697-344F-4858-A172-824931175E0A}" destId="{483E8A89-FC7E-427C-AD5C-0B194417D13F}" srcOrd="0" destOrd="0" presId="urn:microsoft.com/office/officeart/2005/8/layout/vList3"/>
-    <dgm:cxn modelId="{D71F42C0-19AE-4C2A-A750-93DB197029BE}" type="presOf" srcId="{69A95075-5437-40D4-8167-5BB35530721A}" destId="{69A62C44-F87A-426B-99C7-DFE0146E0EB0}" srcOrd="0" destOrd="0" presId="urn:microsoft.com/office/officeart/2005/8/layout/vList3"/>
-    <dgm:cxn modelId="{DD856157-13C9-4851-9145-E000F440686F}" type="presOf" srcId="{231C47D6-4E30-4812-A147-1B64673C7E20}" destId="{2363F467-8006-45FC-A811-A5F22F0A4368}" srcOrd="0" destOrd="0" presId="urn:microsoft.com/office/officeart/2005/8/layout/vList3"/>
     <dgm:cxn modelId="{44CE7D09-FE75-48F4-A698-30B99C7FDA13}" type="presOf" srcId="{15916379-1905-42BA-BA0C-3A02824160ED}" destId="{699FFF8E-3094-4373-93E8-CF15473D6F64}" srcOrd="0" destOrd="0" presId="urn:microsoft.com/office/officeart/2005/8/layout/vList3"/>
     <dgm:cxn modelId="{514565E5-FC77-462F-A53B-F76407168982}" type="presOf" srcId="{1D35787D-49E6-4C20-A0E9-9A0CD14F86DF}" destId="{3DDD10C1-F536-439D-89A1-652413B979E4}" srcOrd="0" destOrd="0" presId="urn:microsoft.com/office/officeart/2005/8/layout/vList3"/>
-    <dgm:cxn modelId="{885CE142-644A-4A33-868B-8F0A52C457AF}" srcId="{231C47D6-4E30-4812-A147-1B64673C7E20}" destId="{1D35787D-49E6-4C20-A0E9-9A0CD14F86DF}" srcOrd="2" destOrd="0" parTransId="{05F2F614-4671-4323-90DB-3ECFD36025CA}" sibTransId="{16E1F035-F40E-4A45-ABFB-4169CE86F555}"/>
-    <dgm:cxn modelId="{C93828BC-5CE4-47C3-B4E5-FDAFD3F6F036}" srcId="{231C47D6-4E30-4812-A147-1B64673C7E20}" destId="{15916379-1905-42BA-BA0C-3A02824160ED}" srcOrd="3" destOrd="0" parTransId="{71FE8234-D886-41F6-9AF5-E8CDD3C4CF97}" sibTransId="{3111266A-980E-471E-AF4E-EDC6F94FB7F6}"/>
-    <dgm:cxn modelId="{4210CD1C-BCCE-48A5-9E7E-7B31774D98B7}" srcId="{231C47D6-4E30-4812-A147-1B64673C7E20}" destId="{69A95075-5437-40D4-8167-5BB35530721A}" srcOrd="1" destOrd="0" parTransId="{B72E5FA6-3EF7-4FEB-A0AB-444735E3F351}" sibTransId="{8514FFDE-E2AF-4FD1-89FE-A719BCF0752E}"/>
     <dgm:cxn modelId="{8184D4B7-7AC9-4649-BE42-06D5BA8586D9}" type="presParOf" srcId="{2363F467-8006-45FC-A811-A5F22F0A4368}" destId="{C6A9A52B-E6E7-49DA-AD3B-DB38F12D3A6C}" srcOrd="0" destOrd="0" presId="urn:microsoft.com/office/officeart/2005/8/layout/vList3"/>
     <dgm:cxn modelId="{18D134C3-41AE-464B-9645-D5EFA72ACD67}" type="presParOf" srcId="{C6A9A52B-E6E7-49DA-AD3B-DB38F12D3A6C}" destId="{AEC83482-24B2-4A61-A695-FBC9DAA6BDBA}" srcOrd="0" destOrd="0" presId="urn:microsoft.com/office/officeart/2005/8/layout/vList3"/>
     <dgm:cxn modelId="{ED538E7B-530E-462C-9298-82D42CDD0C44}" type="presParOf" srcId="{C6A9A52B-E6E7-49DA-AD3B-DB38F12D3A6C}" destId="{483E8A89-FC7E-427C-AD5C-0B194417D13F}" srcOrd="1" destOrd="0" presId="urn:microsoft.com/office/officeart/2005/8/layout/vList3"/>
@@ -7198,7 +7259,7 @@
           </a:ln>
           <a:extLst>
             <a:ext uri="{C572A759-6A51-4108-AA02-DFA0A04FC94B}">
-              <ma14:wrappingTextBoxFlag xmlns:ma14="http://schemas.microsoft.com/office/mac/drawingml/2011/main" xmlns="" val="1"/>
+              <ma14:wrappingTextBoxFlag xmlns="" xmlns:ma14="http://schemas.microsoft.com/office/mac/drawingml/2011/main" val="1"/>
             </a:ext>
           </a:extLst>
         </p:spPr>
@@ -7235,7 +7296,7 @@
           </a:ln>
           <a:extLst>
             <a:ext uri="{C572A759-6A51-4108-AA02-DFA0A04FC94B}">
-              <ma14:wrappingTextBoxFlag xmlns:ma14="http://schemas.microsoft.com/office/mac/drawingml/2011/main" xmlns="" val="1"/>
+              <ma14:wrappingTextBoxFlag xmlns="" xmlns:ma14="http://schemas.microsoft.com/office/mac/drawingml/2011/main" val="1"/>
             </a:ext>
           </a:extLst>
         </p:spPr>
@@ -8377,7 +8438,7 @@
           </a:ln>
           <a:extLst>
             <a:ext uri="{C572A759-6A51-4108-AA02-DFA0A04FC94B}">
-              <ma14:wrappingTextBoxFlag xmlns:ma14="http://schemas.microsoft.com/office/mac/drawingml/2011/main" xmlns="" val="1"/>
+              <ma14:wrappingTextBoxFlag xmlns="" xmlns:ma14="http://schemas.microsoft.com/office/mac/drawingml/2011/main" val="1"/>
             </a:ext>
           </a:extLst>
         </p:spPr>
@@ -8666,195 +8727,6 @@
           <a:chExt cx="0" cy="0"/>
         </a:xfrm>
       </p:grpSpPr>
-      <p:sp>
-        <p:nvSpPr>
-          <p:cNvPr id="139" name="文本框 6"/>
-          <p:cNvSpPr txBox="1"/>
-          <p:nvPr/>
-        </p:nvSpPr>
-        <p:spPr>
-          <a:xfrm>
-            <a:off x="-473949" y="410080"/>
-            <a:ext cx="6788972" cy="6492241"/>
-          </a:xfrm>
-          <a:prstGeom prst="rect">
-            <a:avLst/>
-          </a:prstGeom>
-          <a:ln w="12700">
-            <a:miter lim="400000"/>
-          </a:ln>
-          <a:extLst>
-            <a:ext uri="{C572A759-6A51-4108-AA02-DFA0A04FC94B}">
-              <ma14:wrappingTextBoxFlag xmlns:ma14="http://schemas.microsoft.com/office/mac/drawingml/2011/main" xmlns="" val="1"/>
-            </a:ext>
-          </a:extLst>
-        </p:spPr>
-        <p:txBody>
-          <a:bodyPr lIns="45719" rIns="45719">
-            <a:spAutoFit/>
-          </a:bodyPr>
-          <a:lstStyle>
-            <a:lvl1pPr algn="ctr">
-              <a:defRPr sz="41300">
-                <a:solidFill>
-                  <a:schemeClr val="accent1"/>
-                </a:solidFill>
-                <a:latin typeface="Impact"/>
-                <a:ea typeface="Impact"/>
-                <a:cs typeface="Impact"/>
-                <a:sym typeface="Impact"/>
-              </a:defRPr>
-            </a:lvl1pPr>
-          </a:lstStyle>
-          <a:p>
-            <a:r>
-              <a:rPr dirty="0"/>
-              <a:t>03</a:t>
-            </a:r>
-          </a:p>
-        </p:txBody>
-      </p:sp>
-      <p:grpSp>
-        <p:nvGrpSpPr>
-          <p:cNvPr id="142" name="矩形 4"/>
-          <p:cNvGrpSpPr/>
-          <p:nvPr/>
-        </p:nvGrpSpPr>
-        <p:grpSpPr>
-          <a:xfrm>
-            <a:off x="6073447" y="3480588"/>
-            <a:ext cx="4121261" cy="847731"/>
-            <a:chOff x="-1" y="-7005"/>
-            <a:chExt cx="6508378" cy="847730"/>
-          </a:xfrm>
-        </p:grpSpPr>
-        <p:sp>
-          <p:nvSpPr>
-            <p:cNvPr id="140" name="矩形"/>
-            <p:cNvSpPr/>
-            <p:nvPr/>
-          </p:nvSpPr>
-          <p:spPr>
-            <a:xfrm>
-              <a:off x="-1" y="-1"/>
-              <a:ext cx="6508378" cy="833720"/>
-            </a:xfrm>
-            <a:prstGeom prst="rect">
-              <a:avLst/>
-            </a:prstGeom>
-            <a:noFill/>
-            <a:ln w="12700" cap="flat">
-              <a:noFill/>
-              <a:miter lim="400000"/>
-            </a:ln>
-            <a:effectLst/>
-          </p:spPr>
-          <p:txBody>
-            <a:bodyPr wrap="square" lIns="45719" tIns="45719" rIns="45719" bIns="45719" numCol="1" anchor="ctr">
-              <a:noAutofit/>
-            </a:bodyPr>
-            <a:lstStyle/>
-            <a:p>
-              <a:pPr algn="ctr">
-                <a:lnSpc>
-                  <a:spcPct val="130000"/>
-                </a:lnSpc>
-                <a:defRPr sz="4400" b="1">
-                  <a:solidFill>
-                    <a:schemeClr val="accent1"/>
-                  </a:solidFill>
-                  <a:latin typeface="方正黑体_GBK"/>
-                  <a:ea typeface="方正黑体_GBK"/>
-                  <a:cs typeface="方正黑体_GBK"/>
-                  <a:sym typeface="方正黑体_GBK"/>
-                </a:defRPr>
-              </a:pPr>
-              <a:endParaRPr/>
-            </a:p>
-          </p:txBody>
-        </p:sp>
-        <p:sp>
-          <p:nvSpPr>
-            <p:cNvPr id="141" name="class schedule"/>
-            <p:cNvSpPr txBox="1"/>
-            <p:nvPr/>
-          </p:nvSpPr>
-          <p:spPr>
-            <a:xfrm>
-              <a:off x="-1" y="-7005"/>
-              <a:ext cx="6508378" cy="847730"/>
-            </a:xfrm>
-            <a:prstGeom prst="rect">
-              <a:avLst/>
-            </a:prstGeom>
-            <a:noFill/>
-            <a:ln w="12700" cap="flat">
-              <a:noFill/>
-              <a:miter lim="400000"/>
-            </a:ln>
-            <a:effectLst/>
-            <a:extLst>
-              <a:ext uri="{C572A759-6A51-4108-AA02-DFA0A04FC94B}">
-                <ma14:wrappingTextBoxFlag xmlns:ma14="http://schemas.microsoft.com/office/mac/drawingml/2011/main" xmlns="" val="1"/>
-              </a:ext>
-            </a:extLst>
-          </p:spPr>
-          <p:txBody>
-            <a:bodyPr wrap="square" lIns="45719" tIns="45719" rIns="45719" bIns="45719" numCol="1" anchor="ctr">
-              <a:spAutoFit/>
-            </a:bodyPr>
-            <a:lstStyle>
-              <a:lvl1pPr algn="ctr">
-                <a:lnSpc>
-                  <a:spcPct val="130000"/>
-                </a:lnSpc>
-                <a:defRPr sz="4400" b="1">
-                  <a:solidFill>
-                    <a:schemeClr val="accent1"/>
-                  </a:solidFill>
-                  <a:latin typeface="方正黑体_GBK"/>
-                  <a:ea typeface="方正黑体_GBK"/>
-                  <a:cs typeface="方正黑体_GBK"/>
-                  <a:sym typeface="方正黑体_GBK"/>
-                </a:defRPr>
-              </a:lvl1pPr>
-            </a:lstStyle>
-            <a:p>
-              <a:r>
-                <a:rPr lang="zh-CN" altLang="en-US" dirty="0" smtClean="0"/>
-                <a:t>服务</a:t>
-              </a:r>
-              <a:endParaRPr dirty="0"/>
-            </a:p>
-          </p:txBody>
-        </p:sp>
-      </p:grpSp>
-    </p:spTree>
-  </p:cSld>
-  <p:clrMapOvr>
-    <a:masterClrMapping/>
-  </p:clrMapOvr>
-  <p:transition spd="med"/>
-</p:sld>
-</file>
-
-<file path=ppt/slides/slide11.xml><?xml version="1.0" encoding="utf-8"?>
-<p:sld xmlns:a="http://schemas.openxmlformats.org/drawingml/2006/main" xmlns:r="http://schemas.openxmlformats.org/officeDocument/2006/relationships" xmlns:p="http://schemas.openxmlformats.org/presentationml/2006/main">
-  <p:cSld>
-    <p:spTree>
-      <p:nvGrpSpPr>
-        <p:cNvPr id="1" name=""/>
-        <p:cNvGrpSpPr/>
-        <p:nvPr/>
-      </p:nvGrpSpPr>
-      <p:grpSpPr>
-        <a:xfrm>
-          <a:off x="0" y="0"/>
-          <a:ext cx="0" cy="0"/>
-          <a:chOff x="0" y="0"/>
-          <a:chExt cx="0" cy="0"/>
-        </a:xfrm>
-      </p:grpSpPr>
       <p:grpSp>
         <p:nvGrpSpPr>
           <p:cNvPr id="146" name="矩形 6"/>
@@ -8931,7 +8803,7 @@
             <a:effectLst/>
             <a:extLst>
               <a:ext uri="{C572A759-6A51-4108-AA02-DFA0A04FC94B}">
-                <ma14:wrappingTextBoxFlag xmlns:ma14="http://schemas.microsoft.com/office/mac/drawingml/2011/main" xmlns="" val="1"/>
+                <ma14:wrappingTextBoxFlag xmlns="" xmlns:ma14="http://schemas.microsoft.com/office/mac/drawingml/2011/main" val="1"/>
               </a:ext>
             </a:extLst>
           </p:spPr>
@@ -9286,7 +9158,7 @@
             <a:effectLst/>
             <a:extLst>
               <a:ext uri="{C572A759-6A51-4108-AA02-DFA0A04FC94B}">
-                <ma14:wrappingTextBoxFlag xmlns:ma14="http://schemas.microsoft.com/office/mac/drawingml/2011/main" xmlns="" val="1"/>
+                <ma14:wrappingTextBoxFlag xmlns="" xmlns:ma14="http://schemas.microsoft.com/office/mac/drawingml/2011/main" val="1"/>
               </a:ext>
             </a:extLst>
           </p:spPr>
@@ -9405,7 +9277,7 @@
             <a:effectLst/>
             <a:extLst>
               <a:ext uri="{C572A759-6A51-4108-AA02-DFA0A04FC94B}">
-                <ma14:wrappingTextBoxFlag xmlns:ma14="http://schemas.microsoft.com/office/mac/drawingml/2011/main" xmlns="" val="1"/>
+                <ma14:wrappingTextBoxFlag xmlns="" xmlns:ma14="http://schemas.microsoft.com/office/mac/drawingml/2011/main" val="1"/>
               </a:ext>
             </a:extLst>
           </p:spPr>
@@ -9508,7 +9380,7 @@
             <a:effectLst/>
             <a:extLst>
               <a:ext uri="{C572A759-6A51-4108-AA02-DFA0A04FC94B}">
-                <ma14:wrappingTextBoxFlag xmlns:ma14="http://schemas.microsoft.com/office/mac/drawingml/2011/main" xmlns="" val="1"/>
+                <ma14:wrappingTextBoxFlag xmlns="" xmlns:ma14="http://schemas.microsoft.com/office/mac/drawingml/2011/main" val="1"/>
               </a:ext>
             </a:extLst>
           </p:spPr>
@@ -9611,7 +9483,7 @@
             <a:effectLst/>
             <a:extLst>
               <a:ext uri="{C572A759-6A51-4108-AA02-DFA0A04FC94B}">
-                <ma14:wrappingTextBoxFlag xmlns:ma14="http://schemas.microsoft.com/office/mac/drawingml/2011/main" xmlns="" val="1"/>
+                <ma14:wrappingTextBoxFlag xmlns="" xmlns:ma14="http://schemas.microsoft.com/office/mac/drawingml/2011/main" val="1"/>
               </a:ext>
             </a:extLst>
           </p:spPr>
@@ -9685,7 +9557,7 @@
 </p:sld>
 </file>
 
-<file path=ppt/slides/slide12.xml><?xml version="1.0" encoding="utf-8"?>
+<file path=ppt/slides/slide11.xml><?xml version="1.0" encoding="utf-8"?>
 <p:sld xmlns:a="http://schemas.openxmlformats.org/drawingml/2006/main" xmlns:r="http://schemas.openxmlformats.org/officeDocument/2006/relationships" xmlns:p="http://schemas.openxmlformats.org/presentationml/2006/main">
   <p:cSld>
     <p:spTree>
@@ -9739,6 +9611,195 @@
 </p:sld>
 </file>
 
+<file path=ppt/slides/slide12.xml><?xml version="1.0" encoding="utf-8"?>
+<p:sld xmlns:a="http://schemas.openxmlformats.org/drawingml/2006/main" xmlns:r="http://schemas.openxmlformats.org/officeDocument/2006/relationships" xmlns:p="http://schemas.openxmlformats.org/presentationml/2006/main">
+  <p:cSld>
+    <p:spTree>
+      <p:nvGrpSpPr>
+        <p:cNvPr id="1" name=""/>
+        <p:cNvGrpSpPr/>
+        <p:nvPr/>
+      </p:nvGrpSpPr>
+      <p:grpSpPr>
+        <a:xfrm>
+          <a:off x="0" y="0"/>
+          <a:ext cx="0" cy="0"/>
+          <a:chOff x="0" y="0"/>
+          <a:chExt cx="0" cy="0"/>
+        </a:xfrm>
+      </p:grpSpPr>
+      <p:sp>
+        <p:nvSpPr>
+          <p:cNvPr id="139" name="文本框 6"/>
+          <p:cNvSpPr txBox="1"/>
+          <p:nvPr/>
+        </p:nvSpPr>
+        <p:spPr>
+          <a:xfrm>
+            <a:off x="-473949" y="410080"/>
+            <a:ext cx="6788972" cy="6492241"/>
+          </a:xfrm>
+          <a:prstGeom prst="rect">
+            <a:avLst/>
+          </a:prstGeom>
+          <a:ln w="12700">
+            <a:miter lim="400000"/>
+          </a:ln>
+          <a:extLst>
+            <a:ext uri="{C572A759-6A51-4108-AA02-DFA0A04FC94B}">
+              <ma14:wrappingTextBoxFlag xmlns="" xmlns:ma14="http://schemas.microsoft.com/office/mac/drawingml/2011/main" val="1"/>
+            </a:ext>
+          </a:extLst>
+        </p:spPr>
+        <p:txBody>
+          <a:bodyPr lIns="45719" rIns="45719">
+            <a:spAutoFit/>
+          </a:bodyPr>
+          <a:lstStyle>
+            <a:lvl1pPr algn="ctr">
+              <a:defRPr sz="41300">
+                <a:solidFill>
+                  <a:schemeClr val="accent1"/>
+                </a:solidFill>
+                <a:latin typeface="Impact"/>
+                <a:ea typeface="Impact"/>
+                <a:cs typeface="Impact"/>
+                <a:sym typeface="Impact"/>
+              </a:defRPr>
+            </a:lvl1pPr>
+          </a:lstStyle>
+          <a:p>
+            <a:r>
+              <a:rPr dirty="0"/>
+              <a:t>03</a:t>
+            </a:r>
+          </a:p>
+        </p:txBody>
+      </p:sp>
+      <p:grpSp>
+        <p:nvGrpSpPr>
+          <p:cNvPr id="142" name="矩形 4"/>
+          <p:cNvGrpSpPr/>
+          <p:nvPr/>
+        </p:nvGrpSpPr>
+        <p:grpSpPr>
+          <a:xfrm>
+            <a:off x="6073447" y="3480588"/>
+            <a:ext cx="4121261" cy="847731"/>
+            <a:chOff x="-1" y="-7005"/>
+            <a:chExt cx="6508378" cy="847730"/>
+          </a:xfrm>
+        </p:grpSpPr>
+        <p:sp>
+          <p:nvSpPr>
+            <p:cNvPr id="140" name="矩形"/>
+            <p:cNvSpPr/>
+            <p:nvPr/>
+          </p:nvSpPr>
+          <p:spPr>
+            <a:xfrm>
+              <a:off x="-1" y="-1"/>
+              <a:ext cx="6508378" cy="833720"/>
+            </a:xfrm>
+            <a:prstGeom prst="rect">
+              <a:avLst/>
+            </a:prstGeom>
+            <a:noFill/>
+            <a:ln w="12700" cap="flat">
+              <a:noFill/>
+              <a:miter lim="400000"/>
+            </a:ln>
+            <a:effectLst/>
+          </p:spPr>
+          <p:txBody>
+            <a:bodyPr wrap="square" lIns="45719" tIns="45719" rIns="45719" bIns="45719" numCol="1" anchor="ctr">
+              <a:noAutofit/>
+            </a:bodyPr>
+            <a:lstStyle/>
+            <a:p>
+              <a:pPr algn="ctr">
+                <a:lnSpc>
+                  <a:spcPct val="130000"/>
+                </a:lnSpc>
+                <a:defRPr sz="4400" b="1">
+                  <a:solidFill>
+                    <a:schemeClr val="accent1"/>
+                  </a:solidFill>
+                  <a:latin typeface="方正黑体_GBK"/>
+                  <a:ea typeface="方正黑体_GBK"/>
+                  <a:cs typeface="方正黑体_GBK"/>
+                  <a:sym typeface="方正黑体_GBK"/>
+                </a:defRPr>
+              </a:pPr>
+              <a:endParaRPr/>
+            </a:p>
+          </p:txBody>
+        </p:sp>
+        <p:sp>
+          <p:nvSpPr>
+            <p:cNvPr id="141" name="class schedule"/>
+            <p:cNvSpPr txBox="1"/>
+            <p:nvPr/>
+          </p:nvSpPr>
+          <p:spPr>
+            <a:xfrm>
+              <a:off x="-1" y="-7005"/>
+              <a:ext cx="6508378" cy="847730"/>
+            </a:xfrm>
+            <a:prstGeom prst="rect">
+              <a:avLst/>
+            </a:prstGeom>
+            <a:noFill/>
+            <a:ln w="12700" cap="flat">
+              <a:noFill/>
+              <a:miter lim="400000"/>
+            </a:ln>
+            <a:effectLst/>
+            <a:extLst>
+              <a:ext uri="{C572A759-6A51-4108-AA02-DFA0A04FC94B}">
+                <ma14:wrappingTextBoxFlag xmlns="" xmlns:ma14="http://schemas.microsoft.com/office/mac/drawingml/2011/main" val="1"/>
+              </a:ext>
+            </a:extLst>
+          </p:spPr>
+          <p:txBody>
+            <a:bodyPr wrap="square" lIns="45719" tIns="45719" rIns="45719" bIns="45719" numCol="1" anchor="ctr">
+              <a:spAutoFit/>
+            </a:bodyPr>
+            <a:lstStyle>
+              <a:lvl1pPr algn="ctr">
+                <a:lnSpc>
+                  <a:spcPct val="130000"/>
+                </a:lnSpc>
+                <a:defRPr sz="4400" b="1">
+                  <a:solidFill>
+                    <a:schemeClr val="accent1"/>
+                  </a:solidFill>
+                  <a:latin typeface="方正黑体_GBK"/>
+                  <a:ea typeface="方正黑体_GBK"/>
+                  <a:cs typeface="方正黑体_GBK"/>
+                  <a:sym typeface="方正黑体_GBK"/>
+                </a:defRPr>
+              </a:lvl1pPr>
+            </a:lstStyle>
+            <a:p>
+              <a:r>
+                <a:rPr lang="zh-CN" altLang="en-US" dirty="0" smtClean="0"/>
+                <a:t>服务</a:t>
+              </a:r>
+              <a:endParaRPr dirty="0"/>
+            </a:p>
+          </p:txBody>
+        </p:sp>
+      </p:grpSp>
+    </p:spTree>
+  </p:cSld>
+  <p:clrMapOvr>
+    <a:masterClrMapping/>
+  </p:clrMapOvr>
+  <p:transition spd="med"/>
+</p:sld>
+</file>
+
 <file path=ppt/slides/slide13.xml><?xml version="1.0" encoding="utf-8"?>
 <p:sld xmlns:a="http://schemas.openxmlformats.org/drawingml/2006/main" xmlns:r="http://schemas.openxmlformats.org/officeDocument/2006/relationships" xmlns:p="http://schemas.openxmlformats.org/presentationml/2006/main">
   <p:cSld>
@@ -9775,7 +9836,7 @@
           </a:ln>
           <a:extLst>
             <a:ext uri="{C572A759-6A51-4108-AA02-DFA0A04FC94B}">
-              <ma14:wrappingTextBoxFlag xmlns:ma14="http://schemas.microsoft.com/office/mac/drawingml/2011/main" xmlns="" val="1"/>
+              <ma14:wrappingTextBoxFlag xmlns="" xmlns:ma14="http://schemas.microsoft.com/office/mac/drawingml/2011/main" val="1"/>
             </a:ext>
           </a:extLst>
         </p:spPr>
@@ -9885,7 +9946,7 @@
             <a:effectLst/>
             <a:extLst>
               <a:ext uri="{C572A759-6A51-4108-AA02-DFA0A04FC94B}">
-                <ma14:wrappingTextBoxFlag xmlns:ma14="http://schemas.microsoft.com/office/mac/drawingml/2011/main" xmlns="" val="1"/>
+                <ma14:wrappingTextBoxFlag xmlns="" xmlns:ma14="http://schemas.microsoft.com/office/mac/drawingml/2011/main" val="1"/>
               </a:ext>
             </a:extLst>
           </p:spPr>
@@ -10051,7 +10112,7 @@
           </a:ln>
           <a:extLst>
             <a:ext uri="{C572A759-6A51-4108-AA02-DFA0A04FC94B}">
-              <ma14:wrappingTextBoxFlag xmlns:ma14="http://schemas.microsoft.com/office/mac/drawingml/2011/main" xmlns="" val="1"/>
+              <ma14:wrappingTextBoxFlag xmlns="" xmlns:ma14="http://schemas.microsoft.com/office/mac/drawingml/2011/main" val="1"/>
             </a:ext>
           </a:extLst>
         </p:spPr>
@@ -10166,7 +10227,7 @@
             <a:effectLst/>
             <a:extLst>
               <a:ext uri="{C572A759-6A51-4108-AA02-DFA0A04FC94B}">
-                <ma14:wrappingTextBoxFlag xmlns:ma14="http://schemas.microsoft.com/office/mac/drawingml/2011/main" xmlns="" val="1"/>
+                <ma14:wrappingTextBoxFlag xmlns="" xmlns:ma14="http://schemas.microsoft.com/office/mac/drawingml/2011/main" val="1"/>
               </a:ext>
             </a:extLst>
           </p:spPr>
@@ -10424,7 +10485,7 @@
             <a:effectLst/>
             <a:extLst>
               <a:ext uri="{C572A759-6A51-4108-AA02-DFA0A04FC94B}">
-                <ma14:wrappingTextBoxFlag xmlns:ma14="http://schemas.microsoft.com/office/mac/drawingml/2011/main" xmlns="" val="1"/>
+                <ma14:wrappingTextBoxFlag xmlns="" xmlns:ma14="http://schemas.microsoft.com/office/mac/drawingml/2011/main" val="1"/>
               </a:ext>
             </a:extLst>
           </p:spPr>
@@ -10470,7 +10531,7 @@
           </a:ln>
           <a:extLst>
             <a:ext uri="{C572A759-6A51-4108-AA02-DFA0A04FC94B}">
-              <ma14:wrappingTextBoxFlag xmlns:ma14="http://schemas.microsoft.com/office/mac/drawingml/2011/main" xmlns="" val="1"/>
+              <ma14:wrappingTextBoxFlag xmlns="" xmlns:ma14="http://schemas.microsoft.com/office/mac/drawingml/2011/main" val="1"/>
             </a:ext>
           </a:extLst>
         </p:spPr>
@@ -10517,7 +10578,7 @@
           </a:ln>
           <a:extLst>
             <a:ext uri="{C572A759-6A51-4108-AA02-DFA0A04FC94B}">
-              <ma14:wrappingTextBoxFlag xmlns:ma14="http://schemas.microsoft.com/office/mac/drawingml/2011/main" xmlns="" val="1"/>
+              <ma14:wrappingTextBoxFlag xmlns="" xmlns:ma14="http://schemas.microsoft.com/office/mac/drawingml/2011/main" val="1"/>
             </a:ext>
           </a:extLst>
         </p:spPr>
@@ -10712,7 +10773,7 @@
             <a:effectLst/>
             <a:extLst>
               <a:ext uri="{C572A759-6A51-4108-AA02-DFA0A04FC94B}">
-                <ma14:wrappingTextBoxFlag xmlns:ma14="http://schemas.microsoft.com/office/mac/drawingml/2011/main" xmlns="" val="1"/>
+                <ma14:wrappingTextBoxFlag xmlns="" xmlns:ma14="http://schemas.microsoft.com/office/mac/drawingml/2011/main" val="1"/>
               </a:ext>
             </a:extLst>
           </p:spPr>
@@ -10900,7 +10961,7 @@
             <a:effectLst/>
             <a:extLst>
               <a:ext uri="{C572A759-6A51-4108-AA02-DFA0A04FC94B}">
-                <ma14:wrappingTextBoxFlag xmlns:ma14="http://schemas.microsoft.com/office/mac/drawingml/2011/main" xmlns="" val="1"/>
+                <ma14:wrappingTextBoxFlag xmlns="" xmlns:ma14="http://schemas.microsoft.com/office/mac/drawingml/2011/main" val="1"/>
               </a:ext>
             </a:extLst>
           </p:spPr>
@@ -11088,7 +11149,7 @@
             <a:effectLst/>
             <a:extLst>
               <a:ext uri="{C572A759-6A51-4108-AA02-DFA0A04FC94B}">
-                <ma14:wrappingTextBoxFlag xmlns:ma14="http://schemas.microsoft.com/office/mac/drawingml/2011/main" xmlns="" val="1"/>
+                <ma14:wrappingTextBoxFlag xmlns="" xmlns:ma14="http://schemas.microsoft.com/office/mac/drawingml/2011/main" val="1"/>
               </a:ext>
             </a:extLst>
           </p:spPr>
@@ -11276,7 +11337,7 @@
             <a:effectLst/>
             <a:extLst>
               <a:ext uri="{C572A759-6A51-4108-AA02-DFA0A04FC94B}">
-                <ma14:wrappingTextBoxFlag xmlns:ma14="http://schemas.microsoft.com/office/mac/drawingml/2011/main" xmlns="" val="1"/>
+                <ma14:wrappingTextBoxFlag xmlns="" xmlns:ma14="http://schemas.microsoft.com/office/mac/drawingml/2011/main" val="1"/>
               </a:ext>
             </a:extLst>
           </p:spPr>
@@ -11322,7 +11383,7 @@
           </a:ln>
           <a:extLst>
             <a:ext uri="{C572A759-6A51-4108-AA02-DFA0A04FC94B}">
-              <ma14:wrappingTextBoxFlag xmlns:ma14="http://schemas.microsoft.com/office/mac/drawingml/2011/main" xmlns="" val="1"/>
+              <ma14:wrappingTextBoxFlag xmlns="" xmlns:ma14="http://schemas.microsoft.com/office/mac/drawingml/2011/main" val="1"/>
             </a:ext>
           </a:extLst>
         </p:spPr>
@@ -11369,7 +11430,7 @@
           </a:ln>
           <a:extLst>
             <a:ext uri="{C572A759-6A51-4108-AA02-DFA0A04FC94B}">
-              <ma14:wrappingTextBoxFlag xmlns:ma14="http://schemas.microsoft.com/office/mac/drawingml/2011/main" xmlns="" val="1"/>
+              <ma14:wrappingTextBoxFlag xmlns="" xmlns:ma14="http://schemas.microsoft.com/office/mac/drawingml/2011/main" val="1"/>
             </a:ext>
           </a:extLst>
         </p:spPr>
@@ -11416,7 +11477,7 @@
           </a:ln>
           <a:extLst>
             <a:ext uri="{C572A759-6A51-4108-AA02-DFA0A04FC94B}">
-              <ma14:wrappingTextBoxFlag xmlns:ma14="http://schemas.microsoft.com/office/mac/drawingml/2011/main" xmlns="" val="1"/>
+              <ma14:wrappingTextBoxFlag xmlns="" xmlns:ma14="http://schemas.microsoft.com/office/mac/drawingml/2011/main" val="1"/>
             </a:ext>
           </a:extLst>
         </p:spPr>
@@ -11463,7 +11524,7 @@
           </a:ln>
           <a:extLst>
             <a:ext uri="{C572A759-6A51-4108-AA02-DFA0A04FC94B}">
-              <ma14:wrappingTextBoxFlag xmlns:ma14="http://schemas.microsoft.com/office/mac/drawingml/2011/main" xmlns="" val="1"/>
+              <ma14:wrappingTextBoxFlag xmlns="" xmlns:ma14="http://schemas.microsoft.com/office/mac/drawingml/2011/main" val="1"/>
             </a:ext>
           </a:extLst>
         </p:spPr>
@@ -11594,7 +11655,7 @@
           </a:ln>
           <a:extLst>
             <a:ext uri="{C572A759-6A51-4108-AA02-DFA0A04FC94B}">
-              <ma14:wrappingTextBoxFlag xmlns:ma14="http://schemas.microsoft.com/office/mac/drawingml/2011/main" xmlns="" val="1"/>
+              <ma14:wrappingTextBoxFlag xmlns="" xmlns:ma14="http://schemas.microsoft.com/office/mac/drawingml/2011/main" val="1"/>
             </a:ext>
           </a:extLst>
         </p:spPr>
@@ -11704,7 +11765,7 @@
             <a:effectLst/>
             <a:extLst>
               <a:ext uri="{C572A759-6A51-4108-AA02-DFA0A04FC94B}">
-                <ma14:wrappingTextBoxFlag xmlns:ma14="http://schemas.microsoft.com/office/mac/drawingml/2011/main" xmlns="" val="1"/>
+                <ma14:wrappingTextBoxFlag xmlns="" xmlns:ma14="http://schemas.microsoft.com/office/mac/drawingml/2011/main" val="1"/>
               </a:ext>
             </a:extLst>
           </p:spPr>
@@ -11847,7 +11908,7 @@
             <a:effectLst/>
             <a:extLst>
               <a:ext uri="{C572A759-6A51-4108-AA02-DFA0A04FC94B}">
-                <ma14:wrappingTextBoxFlag xmlns:ma14="http://schemas.microsoft.com/office/mac/drawingml/2011/main" xmlns="" val="1"/>
+                <ma14:wrappingTextBoxFlag xmlns="" xmlns:ma14="http://schemas.microsoft.com/office/mac/drawingml/2011/main" val="1"/>
               </a:ext>
             </a:extLst>
           </p:spPr>
@@ -12071,7 +12132,7 @@
             <a:effectLst/>
             <a:extLst>
               <a:ext uri="{C572A759-6A51-4108-AA02-DFA0A04FC94B}">
-                <ma14:wrappingTextBoxFlag xmlns:ma14="http://schemas.microsoft.com/office/mac/drawingml/2011/main" xmlns="" val="1"/>
+                <ma14:wrappingTextBoxFlag xmlns="" xmlns:ma14="http://schemas.microsoft.com/office/mac/drawingml/2011/main" val="1"/>
               </a:ext>
             </a:extLst>
           </p:spPr>
@@ -12237,7 +12298,7 @@
             <a:effectLst/>
             <a:extLst>
               <a:ext uri="{C572A759-6A51-4108-AA02-DFA0A04FC94B}">
-                <ma14:wrappingTextBoxFlag xmlns:ma14="http://schemas.microsoft.com/office/mac/drawingml/2011/main" xmlns="" val="1"/>
+                <ma14:wrappingTextBoxFlag xmlns="" xmlns:ma14="http://schemas.microsoft.com/office/mac/drawingml/2011/main" val="1"/>
               </a:ext>
             </a:extLst>
           </p:spPr>
@@ -12535,7 +12596,7 @@
             <a:effectLst/>
             <a:extLst>
               <a:ext uri="{C572A759-6A51-4108-AA02-DFA0A04FC94B}">
-                <ma14:wrappingTextBoxFlag xmlns:ma14="http://schemas.microsoft.com/office/mac/drawingml/2011/main" xmlns="" val="1"/>
+                <ma14:wrappingTextBoxFlag xmlns="" xmlns:ma14="http://schemas.microsoft.com/office/mac/drawingml/2011/main" val="1"/>
               </a:ext>
             </a:extLst>
           </p:spPr>
@@ -12698,7 +12759,7 @@
             <a:effectLst/>
             <a:extLst>
               <a:ext uri="{C572A759-6A51-4108-AA02-DFA0A04FC94B}">
-                <ma14:wrappingTextBoxFlag xmlns:ma14="http://schemas.microsoft.com/office/mac/drawingml/2011/main" xmlns="" val="1"/>
+                <ma14:wrappingTextBoxFlag xmlns="" xmlns:ma14="http://schemas.microsoft.com/office/mac/drawingml/2011/main" val="1"/>
               </a:ext>
             </a:extLst>
           </p:spPr>
@@ -12860,7 +12921,7 @@
             <a:effectLst/>
             <a:extLst>
               <a:ext uri="{C572A759-6A51-4108-AA02-DFA0A04FC94B}">
-                <ma14:wrappingTextBoxFlag xmlns:ma14="http://schemas.microsoft.com/office/mac/drawingml/2011/main" xmlns="" val="1"/>
+                <ma14:wrappingTextBoxFlag xmlns="" xmlns:ma14="http://schemas.microsoft.com/office/mac/drawingml/2011/main" val="1"/>
               </a:ext>
             </a:extLst>
           </p:spPr>
@@ -12962,7 +13023,7 @@
           </a:ln>
           <a:extLst>
             <a:ext uri="{C572A759-6A51-4108-AA02-DFA0A04FC94B}">
-              <ma14:wrappingTextBoxFlag xmlns:ma14="http://schemas.microsoft.com/office/mac/drawingml/2011/main" xmlns="" val="1"/>
+              <ma14:wrappingTextBoxFlag xmlns="" xmlns:ma14="http://schemas.microsoft.com/office/mac/drawingml/2011/main" val="1"/>
             </a:ext>
           </a:extLst>
         </p:spPr>
@@ -13072,7 +13133,7 @@
             <a:effectLst/>
             <a:extLst>
               <a:ext uri="{C572A759-6A51-4108-AA02-DFA0A04FC94B}">
-                <ma14:wrappingTextBoxFlag xmlns:ma14="http://schemas.microsoft.com/office/mac/drawingml/2011/main" xmlns="" val="1"/>
+                <ma14:wrappingTextBoxFlag xmlns="" xmlns:ma14="http://schemas.microsoft.com/office/mac/drawingml/2011/main" val="1"/>
               </a:ext>
             </a:extLst>
           </p:spPr>
